--- a/js/data-structure/07-树(Tree)/02-红黑树/red-black-tree.pptx
+++ b/js/data-structure/07-树(Tree)/02-红黑树/red-black-tree.pptx
@@ -110,6 +110,11 @@
       </a:defRPr>
     </a:lvl9pPr>
   </p:defaultTextStyle>
+  <p:extLst>
+    <p:ext uri="{EFAFB233-063F-42B5-8137-9DF3F51BA10A}">
+      <p15:sldGuideLst xmlns:p15="http://schemas.microsoft.com/office/powerpoint/2012/main"/>
+    </p:ext>
+  </p:extLst>
 </p:presentation>
 </file>
 
@@ -260,7 +265,7 @@
           <a:p>
             <a:fld id="{455E3A61-FAF6-FE4E-93F9-B93FE0A9E4EA}" type="datetimeFigureOut">
               <a:rPr kumimoji="1" lang="zh-CN" altLang="en-US" smtClean="0"/>
-              <a:t>2020/8/29</a:t>
+              <a:t>2020/8/30</a:t>
             </a:fld>
             <a:endParaRPr kumimoji="1" lang="zh-CN" altLang="en-US"/>
           </a:p>
@@ -458,7 +463,7 @@
           <a:p>
             <a:fld id="{455E3A61-FAF6-FE4E-93F9-B93FE0A9E4EA}" type="datetimeFigureOut">
               <a:rPr kumimoji="1" lang="zh-CN" altLang="en-US" smtClean="0"/>
-              <a:t>2020/8/29</a:t>
+              <a:t>2020/8/30</a:t>
             </a:fld>
             <a:endParaRPr kumimoji="1" lang="zh-CN" altLang="en-US"/>
           </a:p>
@@ -666,7 +671,7 @@
           <a:p>
             <a:fld id="{455E3A61-FAF6-FE4E-93F9-B93FE0A9E4EA}" type="datetimeFigureOut">
               <a:rPr kumimoji="1" lang="zh-CN" altLang="en-US" smtClean="0"/>
-              <a:t>2020/8/29</a:t>
+              <a:t>2020/8/30</a:t>
             </a:fld>
             <a:endParaRPr kumimoji="1" lang="zh-CN" altLang="en-US"/>
           </a:p>
@@ -864,7 +869,7 @@
           <a:p>
             <a:fld id="{455E3A61-FAF6-FE4E-93F9-B93FE0A9E4EA}" type="datetimeFigureOut">
               <a:rPr kumimoji="1" lang="zh-CN" altLang="en-US" smtClean="0"/>
-              <a:t>2020/8/29</a:t>
+              <a:t>2020/8/30</a:t>
             </a:fld>
             <a:endParaRPr kumimoji="1" lang="zh-CN" altLang="en-US"/>
           </a:p>
@@ -1139,7 +1144,7 @@
           <a:p>
             <a:fld id="{455E3A61-FAF6-FE4E-93F9-B93FE0A9E4EA}" type="datetimeFigureOut">
               <a:rPr kumimoji="1" lang="zh-CN" altLang="en-US" smtClean="0"/>
-              <a:t>2020/8/29</a:t>
+              <a:t>2020/8/30</a:t>
             </a:fld>
             <a:endParaRPr kumimoji="1" lang="zh-CN" altLang="en-US"/>
           </a:p>
@@ -1404,7 +1409,7 @@
           <a:p>
             <a:fld id="{455E3A61-FAF6-FE4E-93F9-B93FE0A9E4EA}" type="datetimeFigureOut">
               <a:rPr kumimoji="1" lang="zh-CN" altLang="en-US" smtClean="0"/>
-              <a:t>2020/8/29</a:t>
+              <a:t>2020/8/30</a:t>
             </a:fld>
             <a:endParaRPr kumimoji="1" lang="zh-CN" altLang="en-US"/>
           </a:p>
@@ -1816,7 +1821,7 @@
           <a:p>
             <a:fld id="{455E3A61-FAF6-FE4E-93F9-B93FE0A9E4EA}" type="datetimeFigureOut">
               <a:rPr kumimoji="1" lang="zh-CN" altLang="en-US" smtClean="0"/>
-              <a:t>2020/8/29</a:t>
+              <a:t>2020/8/30</a:t>
             </a:fld>
             <a:endParaRPr kumimoji="1" lang="zh-CN" altLang="en-US"/>
           </a:p>
@@ -1957,7 +1962,7 @@
           <a:p>
             <a:fld id="{455E3A61-FAF6-FE4E-93F9-B93FE0A9E4EA}" type="datetimeFigureOut">
               <a:rPr kumimoji="1" lang="zh-CN" altLang="en-US" smtClean="0"/>
-              <a:t>2020/8/29</a:t>
+              <a:t>2020/8/30</a:t>
             </a:fld>
             <a:endParaRPr kumimoji="1" lang="zh-CN" altLang="en-US"/>
           </a:p>
@@ -2070,7 +2075,7 @@
           <a:p>
             <a:fld id="{455E3A61-FAF6-FE4E-93F9-B93FE0A9E4EA}" type="datetimeFigureOut">
               <a:rPr kumimoji="1" lang="zh-CN" altLang="en-US" smtClean="0"/>
-              <a:t>2020/8/29</a:t>
+              <a:t>2020/8/30</a:t>
             </a:fld>
             <a:endParaRPr kumimoji="1" lang="zh-CN" altLang="en-US"/>
           </a:p>
@@ -2381,7 +2386,7 @@
           <a:p>
             <a:fld id="{455E3A61-FAF6-FE4E-93F9-B93FE0A9E4EA}" type="datetimeFigureOut">
               <a:rPr kumimoji="1" lang="zh-CN" altLang="en-US" smtClean="0"/>
-              <a:t>2020/8/29</a:t>
+              <a:t>2020/8/30</a:t>
             </a:fld>
             <a:endParaRPr kumimoji="1" lang="zh-CN" altLang="en-US"/>
           </a:p>
@@ -2669,7 +2674,7 @@
           <a:p>
             <a:fld id="{455E3A61-FAF6-FE4E-93F9-B93FE0A9E4EA}" type="datetimeFigureOut">
               <a:rPr kumimoji="1" lang="zh-CN" altLang="en-US" smtClean="0"/>
-              <a:t>2020/8/29</a:t>
+              <a:t>2020/8/30</a:t>
             </a:fld>
             <a:endParaRPr kumimoji="1" lang="zh-CN" altLang="en-US"/>
           </a:p>
@@ -2910,7 +2915,7 @@
           <a:p>
             <a:fld id="{455E3A61-FAF6-FE4E-93F9-B93FE0A9E4EA}" type="datetimeFigureOut">
               <a:rPr kumimoji="1" lang="zh-CN" altLang="en-US" smtClean="0"/>
-              <a:t>2020/8/29</a:t>
+              <a:t>2020/8/30</a:t>
             </a:fld>
             <a:endParaRPr kumimoji="1" lang="zh-CN" altLang="en-US"/>
           </a:p>
@@ -17640,7 +17645,7 @@
         <p:spPr>
           <a:xfrm>
             <a:off x="2897639" y="1523882"/>
-            <a:ext cx="725397" cy="312823"/>
+            <a:ext cx="781422" cy="321685"/>
           </a:xfrm>
           <a:prstGeom prst="straightConnector1">
             <a:avLst/>
@@ -17913,7 +17918,7 @@
         </p:nvSpPr>
         <p:spPr>
           <a:xfrm>
-            <a:off x="3377376" y="1836705"/>
+            <a:off x="3433401" y="1845567"/>
             <a:ext cx="491319" cy="491319"/>
           </a:xfrm>
           <a:prstGeom prst="ellipse">
@@ -17964,13 +17969,14 @@
           <p:cNvCxnSpPr>
             <a:cxnSpLocks/>
             <a:stCxn id="10" idx="4"/>
+            <a:endCxn id="23" idx="0"/>
           </p:cNvCxnSpPr>
           <p:nvPr/>
         </p:nvCxnSpPr>
         <p:spPr>
           <a:xfrm>
-            <a:off x="3623036" y="2328024"/>
-            <a:ext cx="423918" cy="398060"/>
+            <a:off x="3679061" y="2336886"/>
+            <a:ext cx="335067" cy="389198"/>
           </a:xfrm>
           <a:prstGeom prst="straightConnector1">
             <a:avLst/>
@@ -18065,8 +18071,8 @@
         </p:nvCxnSpPr>
         <p:spPr>
           <a:xfrm flipH="1">
-            <a:off x="3338342" y="2328024"/>
-            <a:ext cx="284694" cy="412216"/>
+            <a:off x="3338342" y="2336886"/>
+            <a:ext cx="340719" cy="403354"/>
           </a:xfrm>
           <a:prstGeom prst="straightConnector1">
             <a:avLst/>
@@ -18929,7 +18935,7 @@
         <p:spPr>
           <a:xfrm>
             <a:off x="6459266" y="1497731"/>
-            <a:ext cx="725397" cy="312823"/>
+            <a:ext cx="795107" cy="286364"/>
           </a:xfrm>
           <a:prstGeom prst="straightConnector1">
             <a:avLst/>
@@ -19202,7 +19208,7 @@
         </p:nvSpPr>
         <p:spPr>
           <a:xfrm>
-            <a:off x="6939003" y="1810554"/>
+            <a:off x="7008713" y="1784095"/>
             <a:ext cx="491319" cy="491319"/>
           </a:xfrm>
           <a:prstGeom prst="ellipse">
@@ -19253,13 +19259,14 @@
           <p:cNvCxnSpPr>
             <a:cxnSpLocks/>
             <a:stCxn id="37" idx="4"/>
+            <a:endCxn id="50" idx="0"/>
           </p:cNvCxnSpPr>
           <p:nvPr/>
         </p:nvCxnSpPr>
         <p:spPr>
           <a:xfrm>
-            <a:off x="7184663" y="2301873"/>
-            <a:ext cx="423918" cy="398060"/>
+            <a:off x="7254373" y="2275414"/>
+            <a:ext cx="345270" cy="413712"/>
           </a:xfrm>
           <a:prstGeom prst="straightConnector1">
             <a:avLst/>
@@ -19354,8 +19361,8 @@
         </p:nvCxnSpPr>
         <p:spPr>
           <a:xfrm flipH="1">
-            <a:off x="6899969" y="2301873"/>
-            <a:ext cx="284694" cy="412216"/>
+            <a:off x="6899969" y="2275414"/>
+            <a:ext cx="354404" cy="438675"/>
           </a:xfrm>
           <a:prstGeom prst="straightConnector1">
             <a:avLst/>
@@ -19830,7 +19837,7 @@
         </p:nvSpPr>
         <p:spPr>
           <a:xfrm>
-            <a:off x="7106315" y="2711741"/>
+            <a:off x="7307353" y="2689126"/>
             <a:ext cx="584579" cy="277000"/>
           </a:xfrm>
           <a:prstGeom prst="ellipse">
@@ -20402,7 +20409,7 @@
         <p:spPr>
           <a:xfrm>
             <a:off x="10207014" y="1443080"/>
-            <a:ext cx="725397" cy="312823"/>
+            <a:ext cx="820110" cy="300909"/>
           </a:xfrm>
           <a:prstGeom prst="straightConnector1">
             <a:avLst/>
@@ -20675,7 +20682,7 @@
         </p:nvSpPr>
         <p:spPr>
           <a:xfrm>
-            <a:off x="10686751" y="1755903"/>
+            <a:off x="10781464" y="1743989"/>
             <a:ext cx="491319" cy="491319"/>
           </a:xfrm>
           <a:prstGeom prst="ellipse">
@@ -20726,13 +20733,14 @@
           <p:cNvCxnSpPr>
             <a:cxnSpLocks/>
             <a:stCxn id="73" idx="4"/>
+            <a:endCxn id="104" idx="0"/>
           </p:cNvCxnSpPr>
           <p:nvPr/>
         </p:nvCxnSpPr>
         <p:spPr>
           <a:xfrm>
-            <a:off x="10932411" y="2247222"/>
-            <a:ext cx="423918" cy="398060"/>
+            <a:off x="11027124" y="2235308"/>
+            <a:ext cx="396647" cy="419577"/>
           </a:xfrm>
           <a:prstGeom prst="straightConnector1">
             <a:avLst/>
@@ -20827,8 +20835,8 @@
         </p:nvCxnSpPr>
         <p:spPr>
           <a:xfrm flipH="1">
-            <a:off x="10647717" y="2247222"/>
-            <a:ext cx="284694" cy="412216"/>
+            <a:off x="10647717" y="2235308"/>
+            <a:ext cx="379407" cy="424130"/>
           </a:xfrm>
           <a:prstGeom prst="straightConnector1">
             <a:avLst/>
@@ -21589,7 +21597,7 @@
         </p:nvSpPr>
         <p:spPr>
           <a:xfrm>
-            <a:off x="11015465" y="2643137"/>
+            <a:off x="11131481" y="2654885"/>
             <a:ext cx="584579" cy="277000"/>
           </a:xfrm>
           <a:prstGeom prst="ellipse">
